--- a/ppt/codegendev-selfintro-Title.pptx
+++ b/ppt/codegendev-selfintro-Title.pptx
@@ -7,7 +7,8 @@
   <p:sldIdLst>
     <p:sldId id="256" r:id="rId2"/>
     <p:sldId id="258" r:id="rId3"/>
-    <p:sldId id="259" r:id="rId4"/>
+    <p:sldId id="260" r:id="rId4"/>
+    <p:sldId id="259" r:id="rId5"/>
   </p:sldIdLst>
   <p:sldSz cx="12192000" cy="6858000"/>
   <p:notesSz cx="6858000" cy="9144000"/>
@@ -6209,8 +6210,24 @@
               <a:t>#</a:t>
             </a:r>
             <a:r>
+              <a:rPr lang="en-US" altLang="ja-JP" sz="2400" dirty="0" err="1" smtClean="0"/>
+              <a:t>codegendev</a:t>
+            </a:r>
+            <a:r>
+              <a:rPr lang="ja-JP" altLang="en-US" sz="2400" dirty="0"/>
+              <a:t> </a:t>
+            </a:r>
+            <a:r>
+              <a:rPr lang="en-US" altLang="ja-JP" sz="2400" dirty="0"/>
+              <a:t>#</a:t>
+            </a:r>
+            <a:r>
               <a:rPr lang="en-US" altLang="ja-JP" sz="2400" dirty="0" err="1"/>
-              <a:t>codegendev</a:t>
+              <a:t>coedo</a:t>
+            </a:r>
+            <a:r>
+              <a:rPr lang="en-US" altLang="ja-JP" sz="2400" dirty="0"/>
+              <a:t> </a:t>
             </a:r>
             <a:endParaRPr lang="en-US" altLang="ja-JP" sz="2400" dirty="0" smtClean="0"/>
           </a:p>
@@ -6327,13 +6344,6 @@
             <a:endParaRPr lang="en-US" altLang="ja-JP" sz="3200" dirty="0"/>
           </a:p>
           <a:p>
-            <a:r>
-              <a:rPr lang="ja-JP" altLang="en-US" sz="3200" dirty="0" smtClean="0"/>
-              <a:t>二次会は？</a:t>
-            </a:r>
-            <a:endParaRPr lang="en-US" altLang="ja-JP" sz="3200" dirty="0"/>
-          </a:p>
-          <a:p>
             <a:pPr marL="0" indent="0">
               <a:buNone/>
             </a:pPr>
@@ -6355,6 +6365,144 @@
 </file>
 
 <file path=ppt/slides/slide3.xml><?xml version="1.0" encoding="utf-8"?>
+<p:sld xmlns:a="http://schemas.openxmlformats.org/drawingml/2006/main" xmlns:r="http://schemas.openxmlformats.org/officeDocument/2006/relationships" xmlns:p="http://schemas.openxmlformats.org/presentationml/2006/main">
+  <p:cSld>
+    <p:spTree>
+      <p:nvGrpSpPr>
+        <p:cNvPr id="1" name=""/>
+        <p:cNvGrpSpPr/>
+        <p:nvPr/>
+      </p:nvGrpSpPr>
+      <p:grpSpPr>
+        <a:xfrm>
+          <a:off x="0" y="0"/>
+          <a:ext cx="0" cy="0"/>
+          <a:chOff x="0" y="0"/>
+          <a:chExt cx="0" cy="0"/>
+        </a:xfrm>
+      </p:grpSpPr>
+      <p:sp>
+        <p:nvSpPr>
+          <p:cNvPr id="2" name="タイトル 1"/>
+          <p:cNvSpPr>
+            <a:spLocks noGrp="1"/>
+          </p:cNvSpPr>
+          <p:nvPr>
+            <p:ph type="title"/>
+          </p:nvPr>
+        </p:nvSpPr>
+        <p:spPr/>
+        <p:txBody>
+          <a:bodyPr>
+            <a:normAutofit/>
+          </a:bodyPr>
+          <a:lstStyle/>
+          <a:p>
+            <a:r>
+              <a:rPr kumimoji="1" lang="en-US" altLang="ja-JP" sz="4400" dirty="0" smtClean="0"/>
+              <a:t>FAQ</a:t>
+            </a:r>
+            <a:endParaRPr kumimoji="1" lang="ja-JP" altLang="en-US" sz="4400" dirty="0"/>
+          </a:p>
+        </p:txBody>
+      </p:sp>
+      <p:sp>
+        <p:nvSpPr>
+          <p:cNvPr id="3" name="コンテンツ プレースホルダー 2"/>
+          <p:cNvSpPr>
+            <a:spLocks noGrp="1"/>
+          </p:cNvSpPr>
+          <p:nvPr>
+            <p:ph idx="1"/>
+          </p:nvPr>
+        </p:nvSpPr>
+        <p:spPr>
+          <a:xfrm>
+            <a:off x="677334" y="2160589"/>
+            <a:ext cx="8596668" cy="4576761"/>
+          </a:xfrm>
+        </p:spPr>
+        <p:txBody>
+          <a:bodyPr>
+            <a:normAutofit/>
+          </a:bodyPr>
+          <a:lstStyle/>
+          <a:p>
+            <a:r>
+              <a:rPr lang="ja-JP" altLang="en-US" sz="3200" dirty="0" smtClean="0"/>
+              <a:t>二次会は？</a:t>
+            </a:r>
+            <a:endParaRPr lang="en-US" altLang="ja-JP" sz="3200" dirty="0" smtClean="0"/>
+          </a:p>
+          <a:p>
+            <a:pPr lvl="1"/>
+            <a:r>
+              <a:rPr lang="ja-JP" altLang="en-US" sz="3000" dirty="0"/>
+              <a:t>伊賀</a:t>
+            </a:r>
+            <a:r>
+              <a:rPr lang="ja-JP" altLang="en-US" sz="3000" dirty="0" smtClean="0"/>
+              <a:t>のほうでは企画して</a:t>
+            </a:r>
+            <a:r>
+              <a:rPr lang="ja-JP" altLang="en-US" sz="3000" dirty="0" smtClean="0"/>
+              <a:t>いません</a:t>
+            </a:r>
+            <a:endParaRPr lang="en-US" altLang="ja-JP" sz="3000" dirty="0" smtClean="0"/>
+          </a:p>
+          <a:p>
+            <a:pPr lvl="1"/>
+            <a:r>
+              <a:rPr lang="ja-JP" altLang="en-US" sz="3000" dirty="0" smtClean="0"/>
+              <a:t>このメンバーなら誰か企画するでしょう</a:t>
+            </a:r>
+            <a:r>
+              <a:rPr lang="en-US" altLang="ja-JP" sz="3000" dirty="0" smtClean="0"/>
+              <a:t>…</a:t>
+            </a:r>
+            <a:endParaRPr lang="en-US" altLang="ja-JP" sz="3000" dirty="0" smtClean="0"/>
+          </a:p>
+          <a:p>
+            <a:r>
+              <a:rPr lang="ja-JP" altLang="en-US" sz="3200" dirty="0" smtClean="0"/>
+              <a:t>インターネットへの投稿について</a:t>
+            </a:r>
+            <a:endParaRPr lang="en-US" altLang="ja-JP" sz="3200" dirty="0" smtClean="0"/>
+          </a:p>
+          <a:p>
+            <a:pPr lvl="1"/>
+            <a:r>
+              <a:rPr lang="ja-JP" altLang="en-US" sz="3000" dirty="0" smtClean="0"/>
+              <a:t>ネット空間で</a:t>
+            </a:r>
+            <a:r>
+              <a:rPr lang="ja-JP" altLang="en-US" sz="3000" dirty="0" smtClean="0"/>
+              <a:t>秘密な方は自己表明を</a:t>
+            </a:r>
+            <a:endParaRPr lang="en-US" altLang="ja-JP" sz="3000" dirty="0" smtClean="0"/>
+          </a:p>
+          <a:p>
+            <a:pPr marL="0" indent="0">
+              <a:buNone/>
+            </a:pPr>
+            <a:endParaRPr kumimoji="1" lang="en-US" altLang="ja-JP" sz="3200" dirty="0" smtClean="0"/>
+          </a:p>
+        </p:txBody>
+      </p:sp>
+    </p:spTree>
+    <p:extLst>
+      <p:ext uri="{BB962C8B-B14F-4D97-AF65-F5344CB8AC3E}">
+        <p14:creationId xmlns:p14="http://schemas.microsoft.com/office/powerpoint/2010/main" val="2199974098"/>
+      </p:ext>
+    </p:extLst>
+  </p:cSld>
+  <p:clrMapOvr>
+    <a:masterClrMapping/>
+  </p:clrMapOvr>
+</p:sld>
+</file>
+
+<file path=ppt/slides/slide4.xml><?xml version="1.0" encoding="utf-8"?>
 <p:sld xmlns:a="http://schemas.openxmlformats.org/drawingml/2006/main" xmlns:r="http://schemas.openxmlformats.org/officeDocument/2006/relationships" xmlns:p="http://schemas.openxmlformats.org/presentationml/2006/main">
   <p:cSld>
     <p:spTree>

--- a/ppt/codegendev-selfintro-Title.pptx
+++ b/ppt/codegendev-selfintro-Title.pptx
@@ -6430,7 +6430,21 @@
           <a:p>
             <a:r>
               <a:rPr lang="ja-JP" altLang="en-US" sz="3200" dirty="0" smtClean="0"/>
-              <a:t>二次会は？</a:t>
+              <a:t>発表順に希望がある方は表明を</a:t>
+            </a:r>
+            <a:endParaRPr lang="en-US" altLang="ja-JP" sz="3200" dirty="0" smtClean="0"/>
+          </a:p>
+          <a:p>
+            <a:endParaRPr lang="en-US" altLang="ja-JP" sz="3200" dirty="0" smtClean="0"/>
+          </a:p>
+          <a:p>
+            <a:r>
+              <a:rPr lang="ja-JP" altLang="en-US" sz="3200" dirty="0" smtClean="0"/>
+              <a:t>二次会</a:t>
+            </a:r>
+            <a:r>
+              <a:rPr lang="ja-JP" altLang="en-US" sz="3200" dirty="0" smtClean="0"/>
+              <a:t>は？</a:t>
             </a:r>
             <a:endParaRPr lang="en-US" altLang="ja-JP" sz="3200" dirty="0" smtClean="0"/>
           </a:p>
@@ -6442,11 +6456,7 @@
             </a:r>
             <a:r>
               <a:rPr lang="ja-JP" altLang="en-US" sz="3000" dirty="0" smtClean="0"/>
-              <a:t>のほうでは企画して</a:t>
-            </a:r>
-            <a:r>
-              <a:rPr lang="ja-JP" altLang="en-US" sz="3000" dirty="0" smtClean="0"/>
-              <a:t>いません</a:t>
+              <a:t>のほうでは企画していません</a:t>
             </a:r>
             <a:endParaRPr lang="en-US" altLang="ja-JP" sz="3000" dirty="0" smtClean="0"/>
           </a:p>
@@ -6460,7 +6470,6 @@
               <a:rPr lang="en-US" altLang="ja-JP" sz="3000" dirty="0" smtClean="0"/>
               <a:t>…</a:t>
             </a:r>
-            <a:endParaRPr lang="en-US" altLang="ja-JP" sz="3000" dirty="0" smtClean="0"/>
           </a:p>
           <a:p>
             <a:r>
@@ -6473,11 +6482,7 @@
             <a:pPr lvl="1"/>
             <a:r>
               <a:rPr lang="ja-JP" altLang="en-US" sz="3000" dirty="0" smtClean="0"/>
-              <a:t>ネット空間で</a:t>
-            </a:r>
-            <a:r>
-              <a:rPr lang="ja-JP" altLang="en-US" sz="3000" dirty="0" smtClean="0"/>
-              <a:t>秘密な方は自己表明を</a:t>
+              <a:t>ネット空間で秘密な方は自己表明を</a:t>
             </a:r>
             <a:endParaRPr lang="en-US" altLang="ja-JP" sz="3000" dirty="0" smtClean="0"/>
           </a:p>
